--- a/Azure SQL Database 101/Azure SQL Database 101.pptx
+++ b/Azure SQL Database 101/Azure SQL Database 101.pptx
@@ -205,7 +205,7 @@
           <a:p>
             <a:fld id="{8B845895-A56D-4E16-86DC-C76CC9F9D03D}" type="datetimeFigureOut">
               <a:rPr lang="ru-RU" smtClean="0"/>
-              <a:t>11.02.2016</a:t>
+              <a:t>14.02.2016</a:t>
             </a:fld>
             <a:endParaRPr lang="ru-RU"/>
           </a:p>
@@ -952,7 +952,7 @@
           <a:p>
             <a:fld id="{C6632B01-0008-41FC-AF3B-6A3EF7BBD45F}" type="datetime1">
               <a:rPr lang="ru-RU" smtClean="0"/>
-              <a:t>11.02.2016</a:t>
+              <a:t>14.02.2016</a:t>
             </a:fld>
             <a:endParaRPr lang="ru-RU"/>
           </a:p>
@@ -1250,7 +1250,7 @@
           <a:p>
             <a:fld id="{1A849BC0-13FE-4F7F-AF34-0421C5D7225B}" type="datetime1">
               <a:rPr lang="ru-RU" smtClean="0"/>
-              <a:t>11.02.2016</a:t>
+              <a:t>14.02.2016</a:t>
             </a:fld>
             <a:endParaRPr lang="ru-RU"/>
           </a:p>
@@ -1442,7 +1442,7 @@
           <a:p>
             <a:fld id="{D7BC75C3-1014-44E9-9865-CF60ADAD853A}" type="datetime1">
               <a:rPr lang="ru-RU" smtClean="0"/>
-              <a:t>11.02.2016</a:t>
+              <a:t>14.02.2016</a:t>
             </a:fld>
             <a:endParaRPr lang="ru-RU"/>
           </a:p>
@@ -1703,7 +1703,7 @@
           <a:p>
             <a:fld id="{269DEA8E-87D2-46F3-BD71-137F30613896}" type="datetime1">
               <a:rPr lang="ru-RU" smtClean="0"/>
-              <a:t>11.02.2016</a:t>
+              <a:t>14.02.2016</a:t>
             </a:fld>
             <a:endParaRPr lang="ru-RU"/>
           </a:p>
@@ -2127,7 +2127,7 @@
           <a:p>
             <a:fld id="{7ACFDD79-470C-44DA-9296-78EB17CF66D5}" type="datetime1">
               <a:rPr lang="ru-RU" smtClean="0"/>
-              <a:t>11.02.2016</a:t>
+              <a:t>14.02.2016</a:t>
             </a:fld>
             <a:endParaRPr lang="ru-RU"/>
           </a:p>
@@ -2664,7 +2664,7 @@
           <a:p>
             <a:fld id="{BC519D4B-AC86-4EF5-A334-1B76DAA97E42}" type="datetime1">
               <a:rPr lang="ru-RU" smtClean="0"/>
-              <a:t>11.02.2016</a:t>
+              <a:t>14.02.2016</a:t>
             </a:fld>
             <a:endParaRPr lang="ru-RU"/>
           </a:p>
@@ -3528,7 +3528,7 @@
           <a:p>
             <a:fld id="{87E46212-5F4A-4932-80AD-B7DF5B3B5038}" type="datetime1">
               <a:rPr lang="ru-RU" smtClean="0"/>
-              <a:t>11.02.2016</a:t>
+              <a:t>14.02.2016</a:t>
             </a:fld>
             <a:endParaRPr lang="ru-RU"/>
           </a:p>
@@ -3698,7 +3698,7 @@
           <a:p>
             <a:fld id="{D87459DD-17A6-4115-A5C4-4B41EF098D65}" type="datetime1">
               <a:rPr lang="ru-RU" smtClean="0"/>
-              <a:t>11.02.2016</a:t>
+              <a:t>14.02.2016</a:t>
             </a:fld>
             <a:endParaRPr lang="ru-RU"/>
           </a:p>
@@ -3882,7 +3882,7 @@
           <a:p>
             <a:fld id="{C773B273-1860-4F50-B971-4982242F01C3}" type="datetime1">
               <a:rPr lang="ru-RU" smtClean="0"/>
-              <a:t>11.02.2016</a:t>
+              <a:t>14.02.2016</a:t>
             </a:fld>
             <a:endParaRPr lang="ru-RU"/>
           </a:p>
@@ -4052,7 +4052,7 @@
           <a:p>
             <a:fld id="{196FCBA7-8A95-4DC1-88F1-700D5CD4B7CB}" type="datetime1">
               <a:rPr lang="ru-RU" smtClean="0"/>
-              <a:t>11.02.2016</a:t>
+              <a:t>14.02.2016</a:t>
             </a:fld>
             <a:endParaRPr lang="ru-RU"/>
           </a:p>
@@ -4296,7 +4296,7 @@
           <a:p>
             <a:fld id="{F2F3FB20-8448-4A4E-8006-EA5C77682AB9}" type="datetime1">
               <a:rPr lang="ru-RU" smtClean="0"/>
-              <a:t>11.02.2016</a:t>
+              <a:t>14.02.2016</a:t>
             </a:fld>
             <a:endParaRPr lang="ru-RU"/>
           </a:p>
@@ -4532,7 +4532,7 @@
           <a:p>
             <a:fld id="{00DAFBBE-3BA4-456D-9189-A19D5BCBBF36}" type="datetime1">
               <a:rPr lang="ru-RU" smtClean="0"/>
-              <a:t>11.02.2016</a:t>
+              <a:t>14.02.2016</a:t>
             </a:fld>
             <a:endParaRPr lang="ru-RU"/>
           </a:p>
@@ -4998,7 +4998,7 @@
           <a:p>
             <a:fld id="{6E0C21B9-8179-4ABC-A0DC-DD7FA01CFC42}" type="datetime1">
               <a:rPr lang="ru-RU" smtClean="0"/>
-              <a:t>11.02.2016</a:t>
+              <a:t>14.02.2016</a:t>
             </a:fld>
             <a:endParaRPr lang="ru-RU"/>
           </a:p>
@@ -5116,7 +5116,7 @@
           <a:p>
             <a:fld id="{133BE9B8-2091-445B-869C-1C11390BECEE}" type="datetime1">
               <a:rPr lang="ru-RU" smtClean="0"/>
-              <a:t>11.02.2016</a:t>
+              <a:t>14.02.2016</a:t>
             </a:fld>
             <a:endParaRPr lang="ru-RU"/>
           </a:p>
@@ -5211,7 +5211,7 @@
           <a:p>
             <a:fld id="{E5581E17-B6C1-4C47-B96F-7AF235CED0BB}" type="datetime1">
               <a:rPr lang="ru-RU" smtClean="0"/>
-              <a:t>11.02.2016</a:t>
+              <a:t>14.02.2016</a:t>
             </a:fld>
             <a:endParaRPr lang="ru-RU"/>
           </a:p>
@@ -5466,7 +5466,7 @@
           <a:p>
             <a:fld id="{CE5D2979-42D0-460B-89C0-D61C24996FA0}" type="datetime1">
               <a:rPr lang="ru-RU" smtClean="0"/>
-              <a:t>11.02.2016</a:t>
+              <a:t>14.02.2016</a:t>
             </a:fld>
             <a:endParaRPr lang="ru-RU"/>
           </a:p>
@@ -5766,7 +5766,7 @@
           <a:p>
             <a:fld id="{203E816B-FF18-4485-B3BD-BC9E42AEB3DF}" type="datetime1">
               <a:rPr lang="ru-RU" smtClean="0"/>
-              <a:t>11.02.2016</a:t>
+              <a:t>14.02.2016</a:t>
             </a:fld>
             <a:endParaRPr lang="ru-RU"/>
           </a:p>
@@ -6000,7 +6000,7 @@
           <a:p>
             <a:fld id="{3A43A9CA-E978-4DF4-BA94-6C116FD28C71}" type="datetime1">
               <a:rPr lang="ru-RU" smtClean="0"/>
-              <a:t>11.02.2016</a:t>
+              <a:t>14.02.2016</a:t>
             </a:fld>
             <a:endParaRPr lang="ru-RU"/>
           </a:p>
@@ -7990,7 +7990,6 @@
               <a:rPr lang="ru-RU" dirty="0"/>
               <a:t>– сортировка результирующего набора</a:t>
             </a:r>
-            <a:endParaRPr lang="ru-RU" dirty="0"/>
           </a:p>
         </p:txBody>
       </p:sp>
@@ -8195,55 +8194,67 @@
         </p:nvSpPr>
         <p:spPr/>
         <p:txBody>
-          <a:bodyPr/>
+          <a:bodyPr>
+            <a:normAutofit/>
+          </a:bodyPr>
           <a:lstStyle/>
           <a:p>
             <a:r>
               <a:rPr lang="ru-RU" dirty="0" smtClean="0"/>
-              <a:t>Поэкспериментировать с примером на </a:t>
+              <a:t>Поэкспериментировать с </a:t>
+            </a:r>
+            <a:r>
+              <a:rPr lang="ru-RU" dirty="0" smtClean="0"/>
+              <a:t>примером</a:t>
             </a:r>
             <a:r>
               <a:rPr lang="en-US" dirty="0" smtClean="0"/>
-              <a:t>GitHub: </a:t>
-            </a:r>
-            <a:endParaRPr lang="ru-RU" dirty="0" smtClean="0"/>
-          </a:p>
-          <a:p>
-            <a:r>
-              <a:rPr lang="ru-RU" dirty="0" smtClean="0"/>
-              <a:t>Сделать лабораторные работы</a:t>
-            </a:r>
-            <a:endParaRPr lang="en-US" dirty="0" smtClean="0"/>
-          </a:p>
-          <a:p>
-            <a:r>
-              <a:rPr lang="en-US" dirty="0" smtClean="0"/>
-              <a:t>SQL Server:</a:t>
-            </a:r>
-          </a:p>
-          <a:p>
-            <a:pPr lvl="1"/>
+              <a:t>: </a:t>
+            </a:r>
             <a:r>
               <a:rPr lang="en-US" dirty="0">
                 <a:hlinkClick r:id="rId2"/>
               </a:rPr>
+              <a:t>https://github.com/evgri243/pubic-demos</a:t>
+            </a:r>
+            <a:endParaRPr lang="ru-RU" dirty="0" smtClean="0"/>
+          </a:p>
+          <a:p>
+            <a:r>
+              <a:rPr lang="ru-RU" dirty="0" smtClean="0"/>
+              <a:t>Сделать лабораторные работы</a:t>
+            </a:r>
+            <a:endParaRPr lang="en-US" dirty="0" smtClean="0"/>
+          </a:p>
+          <a:p>
+            <a:r>
+              <a:rPr lang="en-US" dirty="0" smtClean="0"/>
+              <a:t>SQL Server:</a:t>
+            </a:r>
+          </a:p>
+          <a:p>
+            <a:pPr lvl="1"/>
+            <a:r>
+              <a:rPr lang="en-US" dirty="0">
+                <a:hlinkClick r:id="rId3"/>
+              </a:rPr>
               <a:t>https://</a:t>
             </a:r>
             <a:r>
               <a:rPr lang="en-US" dirty="0" smtClean="0">
-                <a:hlinkClick r:id="rId2"/>
+                <a:hlinkClick r:id="rId3"/>
               </a:rPr>
               <a:t>msdn.microsoft.com/ru-ru/library/bb510741(v=sql.120</a:t>
             </a:r>
             <a:r>
               <a:rPr lang="en-US" dirty="0">
-                <a:hlinkClick r:id="rId2"/>
+                <a:hlinkClick r:id="rId3"/>
               </a:rPr>
               <a:t>).</a:t>
             </a:r>
             <a:r>
               <a:rPr lang="en-US" dirty="0" smtClean="0">
-                <a:hlinkClick r:id="rId2"/>
+                <a:hlinkClick r:id="rId3"/>
               </a:rPr>
               <a:t>aspx</a:t>
             </a:r>
@@ -8305,13 +8316,13 @@
             <a:pPr lvl="1"/>
             <a:r>
               <a:rPr lang="en-US" dirty="0">
-                <a:hlinkClick r:id="rId3"/>
+                <a:hlinkClick r:id="rId4"/>
               </a:rPr>
               <a:t>https://</a:t>
             </a:r>
             <a:r>
               <a:rPr lang="en-US" dirty="0" smtClean="0">
-                <a:hlinkClick r:id="rId3"/>
+                <a:hlinkClick r:id="rId4"/>
               </a:rPr>
               <a:t>azure.microsoft.com/</a:t>
             </a:r>
@@ -8336,7 +8347,7 @@
             </a:r>
             <a:r>
               <a:rPr lang="en-US" dirty="0" smtClean="0">
-                <a:hlinkClick r:id="rId4"/>
+                <a:hlinkClick r:id="rId5"/>
               </a:rPr>
               <a:t>Visual Studio Dev Essentials</a:t>
             </a:r>
